--- a/FA24/WK3/CodingSessionThreeInstallGuide.pptx
+++ b/FA24/WK3/CodingSessionThreeInstallGuide.pptx
@@ -19,6 +19,13 @@
   </p:sldIdLst>
   <p:sldSz cx="12192000" cy="6858000"/>
   <p:notesSz cx="6858000" cy="9144000"/>
+  <p:embeddedFontLst>
+    <p:embeddedFont>
+      <p:font typeface="Cascadia Mono" panose="020B0609020000020004" pitchFamily="49" charset="0"/>
+      <p:regular r:id="rId14"/>
+      <p:bold r:id="rId15"/>
+    </p:embeddedFont>
+  </p:embeddedFontLst>
   <p:defaultTextStyle>
     <a:defPPr marR="0" lvl="0" algn="l" rtl="0">
       <a:lnSpc>
@@ -17095,23 +17102,7 @@
                   <a:schemeClr val="tx1"/>
                 </a:solidFill>
               </a:rPr>
-              <a:t>    algorithmic </a:t>
-            </a:r>
-            <a:r>
-              <a:rPr lang="en-US" sz="2000" dirty="0" err="1">
-                <a:solidFill>
-                  <a:schemeClr val="tx1"/>
-                </a:solidFill>
-              </a:rPr>
-              <a:t>design</a:t>
-            </a:r>
-            <a:r>
-              <a:rPr lang="en-US" sz="2000" dirty="0" err="1">
-                <a:solidFill>
-                  <a:schemeClr val="lt1"/>
-                </a:solidFill>
-              </a:rPr>
-              <a:t>hy</a:t>
+              <a:t>    algorithmic design</a:t>
             </a:r>
             <a:r>
               <a:rPr lang="en-US" sz="2000" dirty="0">
@@ -17580,7 +17571,7 @@
         <p:spPr>
           <a:xfrm>
             <a:off x="156123" y="1322980"/>
-            <a:ext cx="11078185" cy="4770537"/>
+            <a:ext cx="11078185" cy="4401205"/>
           </a:xfrm>
           <a:prstGeom prst="rect">
             <a:avLst/>
@@ -17656,6 +17647,8 @@
                 <a:solidFill>
                   <a:schemeClr val="tx1"/>
                 </a:solidFill>
+                <a:latin typeface="Cascadia Mono" panose="020B0609020000020004" pitchFamily="49" charset="0"/>
+                <a:cs typeface="Cascadia Mono" panose="020B0609020000020004" pitchFamily="49" charset="0"/>
               </a:rPr>
               <a:t>list_name</a:t>
             </a:r>
@@ -17664,14 +17657,26 @@
                 <a:solidFill>
                   <a:schemeClr val="tx1"/>
                 </a:solidFill>
+                <a:latin typeface="Cascadia Mono" panose="020B0609020000020004" pitchFamily="49" charset="0"/>
+                <a:cs typeface="Cascadia Mono" panose="020B0609020000020004" pitchFamily="49" charset="0"/>
               </a:rPr>
-              <a:t>[0], second </a:t>
+              <a:t>[0]</a:t>
+            </a:r>
+            <a:r>
+              <a:rPr lang="en-US" sz="2000" dirty="0">
+                <a:solidFill>
+                  <a:schemeClr val="tx1"/>
+                </a:solidFill>
+              </a:rPr>
+              <a:t>, second </a:t>
             </a:r>
             <a:r>
               <a:rPr lang="en-US" sz="2000" dirty="0" err="1">
                 <a:solidFill>
                   <a:schemeClr val="tx1"/>
                 </a:solidFill>
+                <a:latin typeface="Cascadia Mono" panose="020B0609020000020004" pitchFamily="49" charset="0"/>
+                <a:cs typeface="Cascadia Mono" panose="020B0609020000020004" pitchFamily="49" charset="0"/>
               </a:rPr>
               <a:t>list_name</a:t>
             </a:r>
@@ -17680,8 +17685,18 @@
                 <a:solidFill>
                   <a:schemeClr val="tx1"/>
                 </a:solidFill>
+                <a:latin typeface="Cascadia Mono" panose="020B0609020000020004" pitchFamily="49" charset="0"/>
+                <a:cs typeface="Cascadia Mono" panose="020B0609020000020004" pitchFamily="49" charset="0"/>
               </a:rPr>
-              <a:t>[1], and so on</a:t>
+              <a:t>[1]</a:t>
+            </a:r>
+            <a:r>
+              <a:rPr lang="en-US" sz="2000" dirty="0">
+                <a:solidFill>
+                  <a:schemeClr val="tx1"/>
+                </a:solidFill>
+              </a:rPr>
+              <a:t>, and so on</a:t>
             </a:r>
           </a:p>
           <a:p>
@@ -17706,13 +17721,25 @@
                   <a:schemeClr val="tx1"/>
                 </a:solidFill>
               </a:rPr>
-              <a:t>Lists are defined with [ ], and can have elements listed out in them such as [2, 3, “D”, False, 17.6]</a:t>
+              <a:t>Lists are defined with [ ], and can have elements listed out in them such as </a:t>
             </a:r>
             <a:r>
               <a:rPr lang="en-US" sz="2000" dirty="0">
                 <a:solidFill>
+                  <a:schemeClr val="tx1"/>
+                </a:solidFill>
+                <a:latin typeface="Cascadia Mono" panose="020B0609020000020004" pitchFamily="49" charset="0"/>
+                <a:cs typeface="Cascadia Mono" panose="020B0609020000020004" pitchFamily="49" charset="0"/>
+              </a:rPr>
+              <a:t>[2, 3, “D”, False, 17.6]</a:t>
+            </a:r>
+            <a:r>
+              <a:rPr lang="en-US" sz="2000" dirty="0">
+                <a:solidFill>
                   <a:schemeClr val="lt1"/>
                 </a:solidFill>
+                <a:latin typeface="Cascadia Mono" panose="020B0609020000020004" pitchFamily="49" charset="0"/>
+                <a:cs typeface="Cascadia Mono" panose="020B0609020000020004" pitchFamily="49" charset="0"/>
               </a:rPr>
               <a:t>I</a:t>
             </a:r>
@@ -17735,23 +17762,37 @@
                   <a:schemeClr val="tx1"/>
                 </a:solidFill>
               </a:rPr>
-              <a:t>Can insert, remove, and change </a:t>
+              <a:t>Can insert, remove, and change items</a:t>
             </a:r>
+            <a:endParaRPr lang="en-US" sz="2000" dirty="0">
+              <a:solidFill>
+                <a:schemeClr val="lt1"/>
+              </a:solidFill>
+            </a:endParaRPr>
+          </a:p>
+          <a:p>
+            <a:pPr marL="285750" indent="-285750">
+              <a:buFont typeface="Arial" panose="020B0604020202020204" pitchFamily="34" charset="0"/>
+              <a:buChar char="•"/>
+            </a:pPr>
+            <a:endParaRPr lang="en-US" sz="2000" dirty="0">
+              <a:solidFill>
+                <a:schemeClr val="lt1"/>
+              </a:solidFill>
+            </a:endParaRPr>
+          </a:p>
+          <a:p>
+            <a:pPr marL="285750" indent="-285750">
+              <a:buFont typeface="Arial" panose="020B0604020202020204" pitchFamily="34" charset="0"/>
+              <a:buChar char="•"/>
+            </a:pPr>
             <a:r>
-              <a:rPr lang="en-US" sz="2000" dirty="0" err="1">
+              <a:rPr lang="en-US" sz="2000" dirty="0">
                 <a:solidFill>
                   <a:schemeClr val="tx1"/>
                 </a:solidFill>
               </a:rPr>
-              <a:t>items</a:t>
-            </a:r>
-            <a:r>
-              <a:rPr lang="en-US" sz="2000" dirty="0" err="1">
-                <a:solidFill>
-                  <a:schemeClr val="lt1"/>
-                </a:solidFill>
-              </a:rPr>
-              <a:t>s</a:t>
+              <a:t>Can contain duplicate values</a:t>
             </a:r>
             <a:r>
               <a:rPr lang="en-US" sz="2000" dirty="0">
@@ -17784,88 +17825,8 @@
                   <a:schemeClr val="tx1"/>
                 </a:solidFill>
               </a:rPr>
-              <a:t>Can contain duplicate </a:t>
+              <a:t>Accessing out of bounds will throw an error!</a:t>
             </a:r>
-            <a:r>
-              <a:rPr lang="en-US" sz="2000" dirty="0" err="1">
-                <a:solidFill>
-                  <a:schemeClr val="tx1"/>
-                </a:solidFill>
-              </a:rPr>
-              <a:t>values</a:t>
-            </a:r>
-            <a:r>
-              <a:rPr lang="en-US" sz="2000" dirty="0" err="1">
-                <a:solidFill>
-                  <a:schemeClr val="lt1"/>
-                </a:solidFill>
-              </a:rPr>
-              <a:t>it</a:t>
-            </a:r>
-            <a:r>
-              <a:rPr lang="en-US" sz="2000" dirty="0">
-                <a:solidFill>
-                  <a:schemeClr val="lt1"/>
-                </a:solidFill>
-              </a:rPr>
-              <a:t> </a:t>
-            </a:r>
-          </a:p>
-          <a:p>
-            <a:pPr marL="285750" indent="-285750">
-              <a:buFont typeface="Arial" panose="020B0604020202020204" pitchFamily="34" charset="0"/>
-              <a:buChar char="•"/>
-            </a:pPr>
-            <a:endParaRPr lang="en-US" sz="2000" dirty="0">
-              <a:solidFill>
-                <a:schemeClr val="lt1"/>
-              </a:solidFill>
-            </a:endParaRPr>
-          </a:p>
-          <a:p>
-            <a:pPr marL="285750" indent="-285750">
-              <a:buFont typeface="Arial" panose="020B0604020202020204" pitchFamily="34" charset="0"/>
-              <a:buChar char="•"/>
-            </a:pPr>
-            <a:r>
-              <a:rPr lang="en-US" sz="2000" dirty="0">
-                <a:solidFill>
-                  <a:schemeClr val="tx1"/>
-                </a:solidFill>
-              </a:rPr>
-              <a:t>Accessing out of bounds will throw an </a:t>
-            </a:r>
-            <a:r>
-              <a:rPr lang="en-US" sz="2000" dirty="0" err="1">
-                <a:solidFill>
-                  <a:schemeClr val="tx1"/>
-                </a:solidFill>
-              </a:rPr>
-              <a:t>error!</a:t>
-            </a:r>
-            <a:r>
-              <a:rPr lang="en-US" sz="2000" dirty="0" err="1">
-                <a:solidFill>
-                  <a:schemeClr val="lt1"/>
-                </a:solidFill>
-              </a:rPr>
-              <a:t>so</a:t>
-            </a:r>
-            <a:r>
-              <a:rPr lang="en-US" sz="2000" dirty="0">
-                <a:solidFill>
-                  <a:schemeClr val="lt1"/>
-                </a:solidFill>
-              </a:rPr>
-              <a:t> Important How You Store Data</a:t>
-            </a:r>
-            <a:endParaRPr lang="en-US" sz="2000" dirty="0"/>
-          </a:p>
-          <a:p>
-            <a:pPr marL="285750" indent="-285750">
-              <a:buFont typeface="Arial" panose="020B0604020202020204" pitchFamily="34" charset="0"/>
-              <a:buChar char="•"/>
-            </a:pPr>
             <a:endParaRPr lang="en-US" sz="2400" dirty="0"/>
           </a:p>
         </p:txBody>
@@ -18318,7 +18279,7 @@
         <p:spPr>
           <a:xfrm>
             <a:off x="249382" y="1645438"/>
-            <a:ext cx="5711707" cy="3231654"/>
+            <a:ext cx="6886709" cy="3539430"/>
           </a:xfrm>
           <a:prstGeom prst="rect">
             <a:avLst/>
@@ -18337,7 +18298,7 @@
             </a:pPr>
             <a:r>
               <a:rPr lang="en-US" sz="2000" dirty="0"/>
-              <a:t>Tuples are like lists, but unchangeable </a:t>
+              <a:t>Tuples are like lists, but unchangeable (immutable)</a:t>
             </a:r>
           </a:p>
           <a:p>
@@ -18404,7 +18365,42 @@
                   <a:schemeClr val="tx1"/>
                 </a:solidFill>
               </a:rPr>
-              <a:t>Declared with ( ), such as (1, False, “k”)</a:t>
+              <a:t>Declared with </a:t>
+            </a:r>
+            <a:r>
+              <a:rPr lang="en-US" sz="2000" dirty="0">
+                <a:solidFill>
+                  <a:schemeClr val="tx1"/>
+                </a:solidFill>
+                <a:latin typeface="Cascadia Mono" panose="020B0609020000020004" pitchFamily="49" charset="0"/>
+                <a:cs typeface="Cascadia Mono" panose="020B0609020000020004" pitchFamily="49" charset="0"/>
+              </a:rPr>
+              <a:t>( )</a:t>
+            </a:r>
+            <a:r>
+              <a:rPr lang="en-US" sz="2000" dirty="0">
+                <a:solidFill>
+                  <a:schemeClr val="tx1"/>
+                </a:solidFill>
+              </a:rPr>
+              <a:t>, such as </a:t>
+            </a:r>
+            <a:br>
+              <a:rPr lang="en-US" sz="2000" dirty="0">
+                <a:solidFill>
+                  <a:schemeClr val="tx1"/>
+                </a:solidFill>
+              </a:rPr>
+            </a:br>
+            <a:r>
+              <a:rPr lang="en-US" sz="2000" dirty="0">
+                <a:solidFill>
+                  <a:schemeClr val="tx1"/>
+                </a:solidFill>
+                <a:latin typeface="Cascadia Mono" panose="020B0609020000020004" pitchFamily="49" charset="0"/>
+                <a:cs typeface="Cascadia Mono" panose="020B0609020000020004" pitchFamily="49" charset="0"/>
+              </a:rPr>
+              <a:t>(1, False, “k”)</a:t>
             </a:r>
           </a:p>
           <a:p>
@@ -18901,7 +18897,14 @@
             </a:pPr>
             <a:r>
               <a:rPr lang="en-US" sz="2000" dirty="0"/>
-              <a:t>Declared with {}</a:t>
+              <a:t>Declared with </a:t>
+            </a:r>
+            <a:r>
+              <a:rPr lang="en-US" sz="2000" dirty="0">
+                <a:latin typeface="Cascadia Mono" panose="020B0609020000020004" pitchFamily="49" charset="0"/>
+                <a:cs typeface="Cascadia Mono" panose="020B0609020000020004" pitchFamily="49" charset="0"/>
+              </a:rPr>
+              <a:t>{}</a:t>
             </a:r>
           </a:p>
           <a:p>
@@ -18940,15 +18943,17 @@
           </a:p>
           <a:p>
             <a:r>
-              <a:rPr lang="en-US" sz="2000" dirty="0"/>
-              <a:t>    </a:t>
-            </a:r>
-            <a:r>
-              <a:rPr lang="en-US" sz="2000" dirty="0" err="1"/>
+              <a:rPr lang="en-US" sz="2000" dirty="0" err="1">
+                <a:latin typeface="Cascadia Mono" panose="020B0609020000020004" pitchFamily="49" charset="0"/>
+                <a:cs typeface="Cascadia Mono" panose="020B0609020000020004" pitchFamily="49" charset="0"/>
+              </a:rPr>
               <a:t>dict</a:t>
             </a:r>
             <a:r>
-              <a:rPr lang="en-US" sz="2000" dirty="0"/>
+              <a:rPr lang="en-US" sz="2000" dirty="0">
+                <a:latin typeface="Cascadia Mono" panose="020B0609020000020004" pitchFamily="49" charset="0"/>
+                <a:cs typeface="Cascadia Mono" panose="020B0609020000020004" pitchFamily="49" charset="0"/>
+              </a:rPr>
               <a:t>[“Key”] == “Value”</a:t>
             </a:r>
           </a:p>
@@ -19499,7 +19504,7 @@
         <p:spPr>
           <a:xfrm>
             <a:off x="150994" y="830425"/>
-            <a:ext cx="6189125" cy="5386090"/>
+            <a:ext cx="6189125" cy="6617196"/>
           </a:xfrm>
           <a:prstGeom prst="rect">
             <a:avLst/>
@@ -19562,6 +19567,8 @@
                     <a:lumMod val="75000"/>
                   </a:schemeClr>
                 </a:solidFill>
+                <a:latin typeface="Cascadia Mono" panose="020B0609020000020004" pitchFamily="49" charset="0"/>
+                <a:cs typeface="Cascadia Mono" panose="020B0609020000020004" pitchFamily="49" charset="0"/>
               </a:rPr>
               <a:t>while</a:t>
             </a:r>
@@ -19588,6 +19595,8 @@
                 <a:solidFill>
                   <a:schemeClr val="accent1"/>
                 </a:solidFill>
+                <a:latin typeface="Cascadia Mono" panose="020B0609020000020004" pitchFamily="49" charset="0"/>
+                <a:cs typeface="Cascadia Mono" panose="020B0609020000020004" pitchFamily="49" charset="0"/>
               </a:rPr>
               <a:t>True</a:t>
             </a:r>
@@ -19619,6 +19628,8 @@
                     <a:lumMod val="75000"/>
                   </a:schemeClr>
                 </a:solidFill>
+                <a:latin typeface="Cascadia Mono" panose="020B0609020000020004" pitchFamily="49" charset="0"/>
+                <a:cs typeface="Cascadia Mono" panose="020B0609020000020004" pitchFamily="49" charset="0"/>
               </a:rPr>
               <a:t>break</a:t>
             </a:r>
@@ -19638,6 +19649,89 @@
               </a:rPr>
               <a:t>statement prematurely breaks a loop</a:t>
             </a:r>
+            <a:br>
+              <a:rPr lang="en-US" sz="2000" dirty="0">
+                <a:solidFill>
+                  <a:schemeClr val="tx1"/>
+                </a:solidFill>
+              </a:rPr>
+            </a:br>
+            <a:endParaRPr lang="en-US" sz="2000" dirty="0">
+              <a:solidFill>
+                <a:schemeClr val="tx1"/>
+              </a:solidFill>
+            </a:endParaRPr>
+          </a:p>
+          <a:p>
+            <a:pPr marL="285750" indent="-285750">
+              <a:buFont typeface="Arial" panose="020B0604020202020204" pitchFamily="34" charset="0"/>
+              <a:buChar char="•"/>
+            </a:pPr>
+            <a:r>
+              <a:rPr lang="en-US" sz="2000" dirty="0">
+                <a:solidFill>
+                  <a:schemeClr val="tx1"/>
+                </a:solidFill>
+              </a:rPr>
+              <a:t>The </a:t>
+            </a:r>
+            <a:r>
+              <a:rPr lang="en-US" sz="2000" dirty="0">
+                <a:solidFill>
+                  <a:schemeClr val="accent2">
+                    <a:lumMod val="75000"/>
+                  </a:schemeClr>
+                </a:solidFill>
+                <a:latin typeface="Cascadia Mono" panose="020B0609020000020004" pitchFamily="49" charset="0"/>
+                <a:cs typeface="Cascadia Mono" panose="020B0609020000020004" pitchFamily="49" charset="0"/>
+              </a:rPr>
+              <a:t>continue</a:t>
+            </a:r>
+            <a:r>
+              <a:rPr lang="en-US" sz="2000" dirty="0">
+                <a:solidFill>
+                  <a:schemeClr val="accent2"/>
+                </a:solidFill>
+              </a:rPr>
+              <a:t> </a:t>
+            </a:r>
+            <a:r>
+              <a:rPr lang="en-US" sz="2000" dirty="0">
+                <a:solidFill>
+                  <a:schemeClr val="tx1"/>
+                </a:solidFill>
+              </a:rPr>
+              <a:t>statement prematurely goes to the next iteration of a loop (more useful with </a:t>
+            </a:r>
+            <a:r>
+              <a:rPr lang="en-US" sz="2000" dirty="0">
+                <a:solidFill>
+                  <a:schemeClr val="tx1"/>
+                </a:solidFill>
+                <a:latin typeface="Cascadia Mono" panose="020B0609020000020004" pitchFamily="49" charset="0"/>
+                <a:cs typeface="Cascadia Mono" panose="020B0609020000020004" pitchFamily="49" charset="0"/>
+              </a:rPr>
+              <a:t>for</a:t>
+            </a:r>
+            <a:r>
+              <a:rPr lang="en-US" sz="2000" dirty="0">
+                <a:solidFill>
+                  <a:schemeClr val="tx1"/>
+                </a:solidFill>
+              </a:rPr>
+              <a:t>)</a:t>
+            </a:r>
+            <a:endParaRPr lang="en-US" sz="2000" dirty="0">
+              <a:solidFill>
+                <a:schemeClr val="accent1"/>
+              </a:solidFill>
+            </a:endParaRPr>
+          </a:p>
+          <a:p>
+            <a:pPr marL="285750" indent="-285750">
+              <a:buFont typeface="Arial" panose="020B0604020202020204" pitchFamily="34" charset="0"/>
+              <a:buChar char="•"/>
+            </a:pPr>
             <a:endParaRPr lang="en-US" sz="2000" dirty="0">
               <a:solidFill>
                 <a:schemeClr val="accent1"/>
@@ -20173,7 +20267,7 @@
                   <a:schemeClr val="tx1"/>
                 </a:solidFill>
               </a:rPr>
-              <a:t>Increments for a bounded period of time</a:t>
+              <a:t>Increments for a bounded period of iterations</a:t>
             </a:r>
           </a:p>
           <a:p>
@@ -20780,7 +20874,7 @@
         </p:nvSpPr>
         <p:spPr>
           <a:xfrm>
-            <a:off x="249382" y="1122217"/>
+            <a:off x="249382" y="1122218"/>
             <a:ext cx="11693236" cy="1200329"/>
           </a:xfrm>
           <a:prstGeom prst="rect">
@@ -21398,6 +21492,43 @@
 </file>
 
 <file path=customXml/item1.xml><?xml version="1.0" encoding="utf-8"?>
+<p:properties xmlns:p="http://schemas.microsoft.com/office/2006/metadata/properties" xmlns:xsi="http://www.w3.org/2001/XMLSchema-instance" xmlns:pc="http://schemas.microsoft.com/office/infopath/2007/PartnerControls">
+  <documentManagement>
+    <TaxCatchAll xmlns="7c1283f0-0d8f-48e4-a54e-835067657bd6" xsi:nil="true"/>
+    <lcf76f155ced4ddcb4097134ff3c332f xmlns="f4811b5b-e463-4fad-b3a8-205f3c0cff6c">
+      <Terms xmlns="http://schemas.microsoft.com/office/infopath/2007/PartnerControls"/>
+    </lcf76f155ced4ddcb4097134ff3c332f>
+    <SharedWithUsers xmlns="7c1283f0-0d8f-48e4-a54e-835067657bd6">
+      <UserInfo>
+        <DisplayName>Nelson, Cameron</DisplayName>
+        <AccountId>33</AccountId>
+        <AccountType/>
+      </UserInfo>
+      <UserInfo>
+        <DisplayName>Mullangi, Sai</DisplayName>
+        <AccountId>34</AccountId>
+        <AccountType/>
+      </UserInfo>
+      <UserInfo>
+        <DisplayName>Elliott, Drew Calvert</DisplayName>
+        <AccountId>13</AccountId>
+        <AccountType/>
+      </UserInfo>
+    </SharedWithUsers>
+  </documentManagement>
+</p:properties>
+</file>
+
+<file path=customXml/item2.xml><?xml version="1.0" encoding="utf-8"?>
+<?mso-contentType ?>
+<FormTemplates xmlns="http://schemas.microsoft.com/sharepoint/v3/contenttype/forms">
+  <Display>DocumentLibraryForm</Display>
+  <Edit>DocumentLibraryForm</Edit>
+  <New>DocumentLibraryForm</New>
+</FormTemplates>
+</file>
+
+<file path=customXml/item3.xml><?xml version="1.0" encoding="utf-8"?>
 <ct:contentTypeSchema xmlns:ct="http://schemas.microsoft.com/office/2006/metadata/contentType" xmlns:ma="http://schemas.microsoft.com/office/2006/metadata/properties/metaAttributes" ct:_="" ma:_="" ma:contentTypeName="Document" ma:contentTypeID="0x01010095ECCC0FE5FC3849B38A8D6CA73048C1" ma:contentTypeVersion="14" ma:contentTypeDescription="Create a new document." ma:contentTypeScope="" ma:versionID="fc6ed8a4c1a8ce386e4ab96b4f3013df">
   <xsd:schema xmlns:xsd="http://www.w3.org/2001/XMLSchema" xmlns:xs="http://www.w3.org/2001/XMLSchema" xmlns:p="http://schemas.microsoft.com/office/2006/metadata/properties" xmlns:ns2="f4811b5b-e463-4fad-b3a8-205f3c0cff6c" xmlns:ns3="7c1283f0-0d8f-48e4-a54e-835067657bd6" targetNamespace="http://schemas.microsoft.com/office/2006/metadata/properties" ma:root="true" ma:fieldsID="c85ebeb486d4f44f8225b75da00a0a10" ns2:_="" ns3:_="">
     <xsd:import namespace="f4811b5b-e463-4fad-b3a8-205f3c0cff6c"/>
@@ -21626,44 +21757,32 @@
 </ct:contentTypeSchema>
 </file>
 
-<file path=customXml/item2.xml><?xml version="1.0" encoding="utf-8"?>
-<?mso-contentType ?>
-<FormTemplates xmlns="http://schemas.microsoft.com/sharepoint/v3/contenttype/forms">
-  <Display>DocumentLibraryForm</Display>
-  <Edit>DocumentLibraryForm</Edit>
-  <New>DocumentLibraryForm</New>
-</FormTemplates>
+<file path=customXml/itemProps1.xml><?xml version="1.0" encoding="utf-8"?>
+<ds:datastoreItem xmlns:ds="http://schemas.openxmlformats.org/officeDocument/2006/customXml" ds:itemID="{B7181563-95D3-4A73-B30D-D1DAA85823E5}">
+  <ds:schemaRefs>
+    <ds:schemaRef ds:uri="http://www.w3.org/XML/1998/namespace"/>
+    <ds:schemaRef ds:uri="http://schemas.microsoft.com/office/infopath/2007/PartnerControls"/>
+    <ds:schemaRef ds:uri="7c1283f0-0d8f-48e4-a54e-835067657bd6"/>
+    <ds:schemaRef ds:uri="http://schemas.microsoft.com/office/2006/documentManagement/types"/>
+    <ds:schemaRef ds:uri="http://purl.org/dc/elements/1.1/"/>
+    <ds:schemaRef ds:uri="http://purl.org/dc/dcmitype/"/>
+    <ds:schemaRef ds:uri="f4811b5b-e463-4fad-b3a8-205f3c0cff6c"/>
+    <ds:schemaRef ds:uri="http://schemas.openxmlformats.org/package/2006/metadata/core-properties"/>
+    <ds:schemaRef ds:uri="http://schemas.microsoft.com/office/2006/metadata/properties"/>
+    <ds:schemaRef ds:uri="http://purl.org/dc/terms/"/>
+  </ds:schemaRefs>
+</ds:datastoreItem>
 </file>
 
-<file path=customXml/item3.xml><?xml version="1.0" encoding="utf-8"?>
-<p:properties xmlns:p="http://schemas.microsoft.com/office/2006/metadata/properties" xmlns:xsi="http://www.w3.org/2001/XMLSchema-instance" xmlns:pc="http://schemas.microsoft.com/office/infopath/2007/PartnerControls">
-  <documentManagement>
-    <TaxCatchAll xmlns="7c1283f0-0d8f-48e4-a54e-835067657bd6" xsi:nil="true"/>
-    <lcf76f155ced4ddcb4097134ff3c332f xmlns="f4811b5b-e463-4fad-b3a8-205f3c0cff6c">
-      <Terms xmlns="http://schemas.microsoft.com/office/infopath/2007/PartnerControls"/>
-    </lcf76f155ced4ddcb4097134ff3c332f>
-    <SharedWithUsers xmlns="7c1283f0-0d8f-48e4-a54e-835067657bd6">
-      <UserInfo>
-        <DisplayName>Nelson, Cameron</DisplayName>
-        <AccountId>33</AccountId>
-        <AccountType/>
-      </UserInfo>
-      <UserInfo>
-        <DisplayName>Mullangi, Sai</DisplayName>
-        <AccountId>34</AccountId>
-        <AccountType/>
-      </UserInfo>
-      <UserInfo>
-        <DisplayName>Elliott, Drew Calvert</DisplayName>
-        <AccountId>13</AccountId>
-        <AccountType/>
-      </UserInfo>
-    </SharedWithUsers>
-  </documentManagement>
-</p:properties>
+<file path=customXml/itemProps2.xml><?xml version="1.0" encoding="utf-8"?>
+<ds:datastoreItem xmlns:ds="http://schemas.openxmlformats.org/officeDocument/2006/customXml" ds:itemID="{95309E96-4542-4057-BD05-C8679494A345}">
+  <ds:schemaRefs>
+    <ds:schemaRef ds:uri="http://schemas.microsoft.com/sharepoint/v3/contenttype/forms"/>
+  </ds:schemaRefs>
+</ds:datastoreItem>
 </file>
 
-<file path=customXml/itemProps1.xml><?xml version="1.0" encoding="utf-8"?>
+<file path=customXml/itemProps3.xml><?xml version="1.0" encoding="utf-8"?>
 <ds:datastoreItem xmlns:ds="http://schemas.openxmlformats.org/officeDocument/2006/customXml" ds:itemID="{05733170-407E-4F20-A075-82B768BB9704}">
   <ds:schemaRefs>
     <ds:schemaRef ds:uri="7c1283f0-0d8f-48e4-a54e-835067657bd6"/>
@@ -21680,29 +21799,4 @@
     <ds:schemaRef ds:uri="http://www.w3.org/2001/XMLSchema"/>
   </ds:schemaRefs>
 </ds:datastoreItem>
-</file>
-
-<file path=customXml/itemProps2.xml><?xml version="1.0" encoding="utf-8"?>
-<ds:datastoreItem xmlns:ds="http://schemas.openxmlformats.org/officeDocument/2006/customXml" ds:itemID="{95309E96-4542-4057-BD05-C8679494A345}">
-  <ds:schemaRefs>
-    <ds:schemaRef ds:uri="http://schemas.microsoft.com/sharepoint/v3/contenttype/forms"/>
-  </ds:schemaRefs>
-</ds:datastoreItem>
-</file>
-
-<file path=customXml/itemProps3.xml><?xml version="1.0" encoding="utf-8"?>
-<ds:datastoreItem xmlns:ds="http://schemas.openxmlformats.org/officeDocument/2006/customXml" ds:itemID="{B7181563-95D3-4A73-B30D-D1DAA85823E5}">
-  <ds:schemaRefs>
-    <ds:schemaRef ds:uri="http://www.w3.org/XML/1998/namespace"/>
-    <ds:schemaRef ds:uri="http://schemas.microsoft.com/office/infopath/2007/PartnerControls"/>
-    <ds:schemaRef ds:uri="7c1283f0-0d8f-48e4-a54e-835067657bd6"/>
-    <ds:schemaRef ds:uri="http://schemas.microsoft.com/office/2006/documentManagement/types"/>
-    <ds:schemaRef ds:uri="http://purl.org/dc/elements/1.1/"/>
-    <ds:schemaRef ds:uri="http://purl.org/dc/dcmitype/"/>
-    <ds:schemaRef ds:uri="f4811b5b-e463-4fad-b3a8-205f3c0cff6c"/>
-    <ds:schemaRef ds:uri="http://schemas.openxmlformats.org/package/2006/metadata/core-properties"/>
-    <ds:schemaRef ds:uri="http://schemas.microsoft.com/office/2006/metadata/properties"/>
-    <ds:schemaRef ds:uri="http://purl.org/dc/terms/"/>
-  </ds:schemaRefs>
-</ds:datastoreItem>
 </file>